--- a/Review 1 ppt for vehicle Health Analysis and Spare Parts E-Commerce.pptx
+++ b/Review 1 ppt for vehicle Health Analysis and Spare Parts E-Commerce.pptx
@@ -5922,7 +5922,7 @@
         </p:nvSpPr>
         <p:spPr>
           <a:xfrm>
-            <a:off x="628650" y="365127"/>
+            <a:off x="628650" y="598209"/>
             <a:ext cx="7886700" cy="549274"/>
           </a:xfrm>
         </p:spPr>
@@ -5957,7 +5957,7 @@
         </p:nvSpPr>
         <p:spPr>
           <a:xfrm>
-            <a:off x="457200" y="1312181"/>
+            <a:off x="457200" y="1756046"/>
             <a:ext cx="8229600" cy="4600305"/>
           </a:xfrm>
         </p:spPr>
@@ -5968,48 +5968,56 @@
           <a:lstStyle/>
           <a:p>
             <a:pPr>
+              <a:lnSpc>
+                <a:spcPct val="150000"/>
+              </a:lnSpc>
               <a:buSzPct val="150000"/>
             </a:pPr>
             <a:r>
-              <a:rPr lang="en-US" sz="2000" dirty="0">
-                <a:latin typeface="Calibri" panose="020F0502020204030204" pitchFamily="34" charset="0"/>
-                <a:cs typeface="Calibri" panose="020F0502020204030204" pitchFamily="34" charset="0"/>
+              <a:rPr lang="en-US" sz="1500" dirty="0">
+                <a:cs typeface="Times New Roman" panose="02020603050405020304" pitchFamily="18" charset="0"/>
               </a:rPr>
               <a:t>The innovation idea behind the website lies in its combination of machine learning algorithms, E-commerce, and a user-friendly interface to provide an all-in-one solution for vehicle owners. </a:t>
             </a:r>
           </a:p>
           <a:p>
             <a:pPr>
+              <a:lnSpc>
+                <a:spcPct val="150000"/>
+              </a:lnSpc>
               <a:buSzPct val="150000"/>
             </a:pPr>
             <a:r>
-              <a:rPr lang="en-US" sz="2000" dirty="0">
-                <a:latin typeface="Calibri" panose="020F0502020204030204" pitchFamily="34" charset="0"/>
-                <a:cs typeface="Calibri" panose="020F0502020204030204" pitchFamily="34" charset="0"/>
+              <a:rPr lang="en-US" sz="1500" dirty="0">
+                <a:cs typeface="Times New Roman" panose="02020603050405020304" pitchFamily="18" charset="0"/>
               </a:rPr>
               <a:t>Moreover, the use of machine learning algorithms for vehicle health analysis and insurance prediction is an innovative approach that provides users with intelligent recommendations for maintenance and repairs.</a:t>
             </a:r>
           </a:p>
           <a:p>
             <a:pPr>
+              <a:lnSpc>
+                <a:spcPct val="150000"/>
+              </a:lnSpc>
               <a:buSzPct val="150000"/>
             </a:pPr>
             <a:r>
-              <a:rPr lang="en-US" sz="2000" dirty="0">
-                <a:latin typeface="Calibri" panose="020F0502020204030204" pitchFamily="34" charset="0"/>
-                <a:cs typeface="Calibri" panose="020F0502020204030204" pitchFamily="34" charset="0"/>
+              <a:rPr lang="en-US" sz="1500" dirty="0">
+                <a:cs typeface="Times New Roman" panose="02020603050405020304" pitchFamily="18" charset="0"/>
               </a:rPr>
               <a:t>It can help vehicle owners to get the best possible insurance amount for their vehicles, prevent costly repairs and breakdowns, and save time and money in the long run.</a:t>
             </a:r>
           </a:p>
           <a:p>
             <a:pPr>
+              <a:lnSpc>
+                <a:spcPct val="150000"/>
+              </a:lnSpc>
               <a:buSzPct val="150000"/>
             </a:pPr>
             <a:r>
-              <a:rPr lang="en-US" sz="2000" dirty="0">
-                <a:latin typeface="Calibri" panose="020F0502020204030204" pitchFamily="34" charset="0"/>
-                <a:cs typeface="Calibri" panose="020F0502020204030204" pitchFamily="34" charset="0"/>
+              <a:rPr lang="en-US" sz="1500" dirty="0">
+                <a:cs typeface="Times New Roman" panose="02020603050405020304" pitchFamily="18" charset="0"/>
               </a:rPr>
               <a:t>Additionally, the use of a secure and convenient E-commerce platform for the purchase of genuine spare parts is another innovative feature of the website. </a:t>
             </a:r>
@@ -6102,7 +6110,7 @@
         </p:nvSpPr>
         <p:spPr>
           <a:xfrm>
-            <a:off x="457200" y="323824"/>
+            <a:off x="457200" y="630142"/>
             <a:ext cx="8229600" cy="582613"/>
           </a:xfrm>
         </p:spPr>
@@ -6137,47 +6145,53 @@
         </p:nvSpPr>
         <p:spPr>
           <a:xfrm>
-            <a:off x="257452" y="1311224"/>
+            <a:off x="257452" y="1786353"/>
             <a:ext cx="8629096" cy="4441505"/>
           </a:xfrm>
         </p:spPr>
         <p:txBody>
           <a:bodyPr>
-            <a:normAutofit lnSpcReduction="10000"/>
+            <a:normAutofit/>
           </a:bodyPr>
           <a:lstStyle/>
           <a:p>
             <a:pPr>
+              <a:lnSpc>
+                <a:spcPct val="150000"/>
+              </a:lnSpc>
               <a:buSzPct val="150000"/>
             </a:pPr>
             <a:r>
-              <a:rPr lang="en-US" sz="2200" dirty="0">
-                <a:latin typeface="Calibri" panose="020F0502020204030204" pitchFamily="34" charset="0"/>
-                <a:cs typeface="Calibri" panose="020F0502020204030204" pitchFamily="34" charset="0"/>
+              <a:rPr lang="en-US" sz="1600" dirty="0">
+                <a:cs typeface="Times New Roman" panose="02020603050405020304" pitchFamily="18" charset="0"/>
               </a:rPr>
-              <a:t>The machine learning algorithms used by the website can help vehicle owners to get the highest insurance coverage for their vehicle and provide intelligent recommendations for maintenance and repairs, making it a valuable tool for anyone who wants to keep their vehicle in good condition.</a:t>
+              <a:t>The machine learning algorithms used by the website can help vehicle owners to get the highest insurance coverage for their vehicle and.</a:t>
             </a:r>
           </a:p>
           <a:p>
             <a:pPr>
+              <a:lnSpc>
+                <a:spcPct val="150000"/>
+              </a:lnSpc>
               <a:buSzPct val="150000"/>
             </a:pPr>
             <a:r>
-              <a:rPr lang="en-US" sz="2200" dirty="0">
-                <a:latin typeface="Calibri" panose="020F0502020204030204" pitchFamily="34" charset="0"/>
-                <a:cs typeface="Calibri" panose="020F0502020204030204" pitchFamily="34" charset="0"/>
+              <a:rPr lang="en-US" sz="1600" dirty="0">
+                <a:cs typeface="Times New Roman" panose="02020603050405020304" pitchFamily="18" charset="0"/>
               </a:rPr>
-              <a:t>The insurance prediction feature of the website can also be beneficial for vehicle owners, as it can provide an estimate of their insurance costs based on the analysis of their vehicle's health and driving patterns. This feature can help vehicle owners make informed decisions about their insurance coverage and budget for the associated costs.</a:t>
+              <a:t>The insurance prediction feature of the website can also be beneficial for vehicle owners, as it can provide an estimate of their insurance costs based on the analysis of their vehicle's health and driving patterns. </a:t>
             </a:r>
           </a:p>
           <a:p>
             <a:pPr>
+              <a:lnSpc>
+                <a:spcPct val="150000"/>
+              </a:lnSpc>
               <a:buSzPct val="150000"/>
             </a:pPr>
             <a:r>
-              <a:rPr lang="en-US" sz="2200" dirty="0">
-                <a:latin typeface="Calibri" panose="020F0502020204030204" pitchFamily="34" charset="0"/>
-                <a:cs typeface="Calibri" panose="020F0502020204030204" pitchFamily="34" charset="0"/>
+              <a:rPr lang="en-US" sz="1600" dirty="0">
+                <a:cs typeface="Times New Roman" panose="02020603050405020304" pitchFamily="18" charset="0"/>
               </a:rPr>
               <a:t>The spare parts E-commerce component of the website provides a secure and convenient platform for the purchase of genuine spare parts, which can be used by individual vehicle owners, mechanics, and fleet managers. </a:t>
             </a:r>
@@ -6354,7 +6368,7 @@
         </p:nvSpPr>
         <p:spPr>
           <a:xfrm>
-            <a:off x="457200" y="140594"/>
+            <a:off x="457200" y="458047"/>
             <a:ext cx="8229600" cy="865943"/>
           </a:xfrm>
         </p:spPr>
@@ -6385,7 +6399,7 @@
         </p:nvSpPr>
         <p:spPr>
           <a:xfrm>
-            <a:off x="457200" y="1539875"/>
+            <a:off x="457200" y="1641443"/>
             <a:ext cx="8229600" cy="4080002"/>
           </a:xfrm>
         </p:spPr>
@@ -6396,100 +6410,110 @@
           <a:lstStyle/>
           <a:p>
             <a:pPr>
+              <a:lnSpc>
+                <a:spcPct val="150000"/>
+              </a:lnSpc>
               <a:buSzPct val="150000"/>
               <a:buFont typeface="Arial" panose="020B0604020202020204" pitchFamily="34" charset="0"/>
               <a:buChar char="•"/>
             </a:pPr>
             <a:r>
-              <a:rPr lang="en-US" sz="2000" dirty="0">
-                <a:latin typeface="Calibri" panose="020F0502020204030204" pitchFamily="34" charset="0"/>
-                <a:cs typeface="Calibri" panose="020F0502020204030204" pitchFamily="34" charset="0"/>
+              <a:rPr lang="en-US" sz="1500" dirty="0">
+                <a:cs typeface="Times New Roman" panose="02020603050405020304" pitchFamily="18" charset="0"/>
               </a:rPr>
               <a:t>The vehicle health analysis component, the website is built using Python and the </a:t>
             </a:r>
             <a:r>
-              <a:rPr lang="en-US" sz="2000" dirty="0" err="1">
-                <a:latin typeface="Calibri" panose="020F0502020204030204" pitchFamily="34" charset="0"/>
-                <a:cs typeface="Calibri" panose="020F0502020204030204" pitchFamily="34" charset="0"/>
+              <a:rPr lang="en-US" sz="1500" dirty="0" err="1">
+                <a:cs typeface="Times New Roman" panose="02020603050405020304" pitchFamily="18" charset="0"/>
               </a:rPr>
               <a:t>Streamlit</a:t>
             </a:r>
             <a:r>
-              <a:rPr lang="en-US" sz="2000" dirty="0">
-                <a:latin typeface="Calibri" panose="020F0502020204030204" pitchFamily="34" charset="0"/>
-                <a:cs typeface="Calibri" panose="020F0502020204030204" pitchFamily="34" charset="0"/>
+              <a:rPr lang="en-US" sz="1500" dirty="0">
+                <a:cs typeface="Times New Roman" panose="02020603050405020304" pitchFamily="18" charset="0"/>
               </a:rPr>
               <a:t> framework. The following are some of the modules and algorithms used in this component:</a:t>
             </a:r>
           </a:p>
           <a:p>
             <a:pPr lvl="1" indent="-342900">
+              <a:lnSpc>
+                <a:spcPct val="150000"/>
+              </a:lnSpc>
               <a:buSzPct val="100000"/>
               <a:buFont typeface="+mj-lt"/>
               <a:buAutoNum type="arabicPeriod"/>
             </a:pPr>
             <a:r>
-              <a:rPr lang="en-US" sz="2000" dirty="0">
-                <a:latin typeface="Calibri" panose="020F0502020204030204" pitchFamily="34" charset="0"/>
-                <a:cs typeface="Calibri" panose="020F0502020204030204" pitchFamily="34" charset="0"/>
+              <a:rPr lang="en-US" sz="1500" dirty="0">
+                <a:cs typeface="Times New Roman" panose="02020603050405020304" pitchFamily="18" charset="0"/>
               </a:rPr>
               <a:t>Pandas - for data manipulation and analysis</a:t>
             </a:r>
           </a:p>
           <a:p>
             <a:pPr lvl="1" indent="-342900">
+              <a:lnSpc>
+                <a:spcPct val="150000"/>
+              </a:lnSpc>
               <a:buSzPct val="100000"/>
               <a:buFont typeface="+mj-lt"/>
               <a:buAutoNum type="arabicPeriod"/>
             </a:pPr>
             <a:r>
-              <a:rPr lang="en-US" sz="2000" dirty="0">
-                <a:latin typeface="Calibri" panose="020F0502020204030204" pitchFamily="34" charset="0"/>
-                <a:cs typeface="Calibri" panose="020F0502020204030204" pitchFamily="34" charset="0"/>
+              <a:rPr lang="en-US" sz="1500" dirty="0">
+                <a:cs typeface="Times New Roman" panose="02020603050405020304" pitchFamily="18" charset="0"/>
               </a:rPr>
               <a:t>NumPy - for numerical computation</a:t>
             </a:r>
           </a:p>
           <a:p>
             <a:pPr lvl="1" indent="-342900">
+              <a:lnSpc>
+                <a:spcPct val="150000"/>
+              </a:lnSpc>
               <a:buSzPct val="100000"/>
               <a:buFont typeface="+mj-lt"/>
               <a:buAutoNum type="arabicPeriod"/>
             </a:pPr>
             <a:r>
-              <a:rPr lang="en-US" sz="2000" dirty="0">
-                <a:latin typeface="Calibri" panose="020F0502020204030204" pitchFamily="34" charset="0"/>
-                <a:cs typeface="Calibri" panose="020F0502020204030204" pitchFamily="34" charset="0"/>
+              <a:rPr lang="en-US" sz="1500" dirty="0">
+                <a:cs typeface="Times New Roman" panose="02020603050405020304" pitchFamily="18" charset="0"/>
               </a:rPr>
               <a:t>Scikit-learn - for machine learning algorithms such as regression, classification, and clustering</a:t>
             </a:r>
           </a:p>
           <a:p>
             <a:pPr lvl="1" indent="-342900">
+              <a:lnSpc>
+                <a:spcPct val="150000"/>
+              </a:lnSpc>
               <a:buSzPct val="100000"/>
               <a:buFont typeface="+mj-lt"/>
               <a:buAutoNum type="arabicPeriod"/>
             </a:pPr>
             <a:r>
-              <a:rPr lang="en-US" sz="2000" dirty="0">
-                <a:latin typeface="Calibri" panose="020F0502020204030204" pitchFamily="34" charset="0"/>
-                <a:cs typeface="Calibri" panose="020F0502020204030204" pitchFamily="34" charset="0"/>
+              <a:rPr lang="en-US" sz="1500" dirty="0">
+                <a:cs typeface="Times New Roman" panose="02020603050405020304" pitchFamily="18" charset="0"/>
               </a:rPr>
               <a:t>Matplotlib - for data visualization</a:t>
             </a:r>
           </a:p>
           <a:p>
             <a:pPr>
+              <a:lnSpc>
+                <a:spcPct val="150000"/>
+              </a:lnSpc>
               <a:buSzPct val="150000"/>
               <a:buFont typeface="Arial" panose="020B0604020202020204" pitchFamily="34" charset="0"/>
               <a:buChar char="•"/>
             </a:pPr>
             <a:r>
-              <a:rPr lang="en-US" sz="2000" dirty="0">
-                <a:latin typeface="Calibri" panose="020F0502020204030204" pitchFamily="34" charset="0"/>
-                <a:cs typeface="Calibri" panose="020F0502020204030204" pitchFamily="34" charset="0"/>
+              <a:rPr lang="en-US" sz="1500" dirty="0">
+                <a:cs typeface="Times New Roman" panose="02020603050405020304" pitchFamily="18" charset="0"/>
               </a:rPr>
-              <a:t>The vehicle health analysis component uses machine learning algorithms to analyze the data collected from the vehicle's sensors and provide users with insights into the health of their vehicle. The algorithms are trained on historical data to make accurate predictions about the estimated insurance claim and to provide recommendations for maintenance and repairs.</a:t>
+              <a:t>The vehicle health analysis component uses machine learning algorithms to predict premium and price of vehicle this is trained on historical data.</a:t>
             </a:r>
           </a:p>
         </p:txBody>
@@ -6569,7 +6593,7 @@
         </p:nvSpPr>
         <p:spPr>
           <a:xfrm>
-            <a:off x="403934" y="1165194"/>
+            <a:off x="403934" y="1362417"/>
             <a:ext cx="8336132" cy="4527612"/>
           </a:xfrm>
         </p:spPr>
@@ -6580,105 +6604,121 @@
           <a:lstStyle/>
           <a:p>
             <a:pPr>
+              <a:lnSpc>
+                <a:spcPct val="150000"/>
+              </a:lnSpc>
               <a:buSzPct val="150000"/>
               <a:buFont typeface="Arial" panose="020B0604020202020204" pitchFamily="34" charset="0"/>
               <a:buChar char="•"/>
             </a:pPr>
             <a:r>
-              <a:rPr lang="en-US" sz="2000" dirty="0">
-                <a:latin typeface="Calibri" panose="020F0502020204030204" pitchFamily="34" charset="0"/>
-                <a:cs typeface="Calibri" panose="020F0502020204030204" pitchFamily="34" charset="0"/>
+              <a:rPr lang="en-US" sz="1500" dirty="0">
+                <a:cs typeface="Times New Roman" panose="02020603050405020304" pitchFamily="18" charset="0"/>
               </a:rPr>
               <a:t>For the spare parts E-commerce component, the website is built using PHP and the MySQL database management system. The following are some of the modules and algorithms used in this component:</a:t>
             </a:r>
           </a:p>
           <a:p>
             <a:pPr marL="800100" lvl="1" indent="-342900">
+              <a:lnSpc>
+                <a:spcPct val="150000"/>
+              </a:lnSpc>
               <a:buSzPct val="100000"/>
               <a:buFont typeface="+mj-lt"/>
               <a:buAutoNum type="arabicPeriod"/>
             </a:pPr>
             <a:r>
-              <a:rPr lang="en-US" sz="2000" dirty="0">
-                <a:latin typeface="Calibri" panose="020F0502020204030204" pitchFamily="34" charset="0"/>
-                <a:cs typeface="Calibri" panose="020F0502020204030204" pitchFamily="34" charset="0"/>
+              <a:rPr lang="en-US" sz="1500" dirty="0">
+                <a:cs typeface="Times New Roman" panose="02020603050405020304" pitchFamily="18" charset="0"/>
               </a:rPr>
               <a:t>HTML/CSS - for website design and layout</a:t>
             </a:r>
           </a:p>
           <a:p>
             <a:pPr marL="800100" lvl="1" indent="-342900">
+              <a:lnSpc>
+                <a:spcPct val="150000"/>
+              </a:lnSpc>
               <a:buSzPct val="100000"/>
               <a:buFont typeface="+mj-lt"/>
               <a:buAutoNum type="arabicPeriod"/>
             </a:pPr>
             <a:r>
-              <a:rPr lang="en-US" sz="2000" dirty="0">
-                <a:latin typeface="Calibri" panose="020F0502020204030204" pitchFamily="34" charset="0"/>
-                <a:cs typeface="Calibri" panose="020F0502020204030204" pitchFamily="34" charset="0"/>
+              <a:rPr lang="en-US" sz="1500" dirty="0">
+                <a:cs typeface="Times New Roman" panose="02020603050405020304" pitchFamily="18" charset="0"/>
               </a:rPr>
               <a:t>JavaScript - for front-end functionality</a:t>
             </a:r>
           </a:p>
           <a:p>
             <a:pPr marL="800100" lvl="1" indent="-342900">
+              <a:lnSpc>
+                <a:spcPct val="150000"/>
+              </a:lnSpc>
               <a:buSzPct val="100000"/>
               <a:buFont typeface="+mj-lt"/>
               <a:buAutoNum type="arabicPeriod"/>
             </a:pPr>
             <a:r>
-              <a:rPr lang="en-US" sz="2000" dirty="0">
-                <a:latin typeface="Calibri" panose="020F0502020204030204" pitchFamily="34" charset="0"/>
-                <a:cs typeface="Calibri" panose="020F0502020204030204" pitchFamily="34" charset="0"/>
+              <a:rPr lang="en-US" sz="1500" dirty="0">
+                <a:cs typeface="Times New Roman" panose="02020603050405020304" pitchFamily="18" charset="0"/>
               </a:rPr>
               <a:t>PHP - for server-side scripting</a:t>
             </a:r>
           </a:p>
           <a:p>
             <a:pPr marL="800100" lvl="1" indent="-342900">
+              <a:lnSpc>
+                <a:spcPct val="150000"/>
+              </a:lnSpc>
               <a:buSzPct val="100000"/>
               <a:buFont typeface="+mj-lt"/>
               <a:buAutoNum type="arabicPeriod"/>
             </a:pPr>
             <a:r>
-              <a:rPr lang="en-US" sz="2000" dirty="0">
-                <a:latin typeface="Calibri" panose="020F0502020204030204" pitchFamily="34" charset="0"/>
-                <a:cs typeface="Calibri" panose="020F0502020204030204" pitchFamily="34" charset="0"/>
+              <a:rPr lang="en-US" sz="1500" dirty="0" err="1">
+                <a:cs typeface="Times New Roman" panose="02020603050405020304" pitchFamily="18" charset="0"/>
               </a:rPr>
-              <a:t>MySQL - for database management and storage</a:t>
+              <a:t>Xampp</a:t>
+            </a:r>
+            <a:r>
+              <a:rPr lang="en-US" sz="1500" dirty="0">
+                <a:cs typeface="Times New Roman" panose="02020603050405020304" pitchFamily="18" charset="0"/>
+              </a:rPr>
+              <a:t> Server – Host the website </a:t>
             </a:r>
           </a:p>
           <a:p>
             <a:pPr marL="800100" lvl="1" indent="-342900">
+              <a:lnSpc>
+                <a:spcPct val="150000"/>
+              </a:lnSpc>
               <a:buSzPct val="100000"/>
               <a:buFont typeface="+mj-lt"/>
               <a:buAutoNum type="arabicPeriod"/>
             </a:pPr>
             <a:r>
-              <a:rPr lang="en-US" sz="2000" dirty="0">
-                <a:latin typeface="Calibri" panose="020F0502020204030204" pitchFamily="34" charset="0"/>
-                <a:cs typeface="Calibri" panose="020F0502020204030204" pitchFamily="34" charset="0"/>
+              <a:rPr lang="en-US" sz="1500" dirty="0">
+                <a:cs typeface="Times New Roman" panose="02020603050405020304" pitchFamily="18" charset="0"/>
+              </a:rPr>
+              <a:t>MySQL - for database management and storage</a:t>
+            </a:r>
+          </a:p>
+          <a:p>
+            <a:pPr marL="800100" lvl="1" indent="-342900">
+              <a:lnSpc>
+                <a:spcPct val="150000"/>
+              </a:lnSpc>
+              <a:buSzPct val="100000"/>
+              <a:buFont typeface="+mj-lt"/>
+              <a:buAutoNum type="arabicPeriod"/>
+            </a:pPr>
+            <a:r>
+              <a:rPr lang="en-US" sz="1500" dirty="0">
+                <a:cs typeface="Times New Roman" panose="02020603050405020304" pitchFamily="18" charset="0"/>
               </a:rPr>
               <a:t>Stripe - for secure online payments</a:t>
             </a:r>
-          </a:p>
-          <a:p>
-            <a:pPr>
-              <a:buSzPct val="150000"/>
-              <a:buFont typeface="Arial" panose="020B0604020202020204" pitchFamily="34" charset="0"/>
-              <a:buChar char="•"/>
-            </a:pPr>
-            <a:r>
-              <a:rPr lang="en-US" sz="2000" dirty="0">
-                <a:latin typeface="Calibri" panose="020F0502020204030204" pitchFamily="34" charset="0"/>
-                <a:cs typeface="Calibri" panose="020F0502020204030204" pitchFamily="34" charset="0"/>
-              </a:rPr>
-              <a:t>The spare parts E-commerce component of the website allows users to browse, search and purchase genuine spare parts for their vehicles. The system uses PHP for server-side scripting and MySQL for database management and storage, which allows for seamless and secure E-commerce functionality. The Stripe payment gateway is used to ensure secure online payments.</a:t>
-            </a:r>
-            <a:endParaRPr lang="en-IN" sz="2000" dirty="0">
-              <a:latin typeface="Calibri" panose="020F0502020204030204" pitchFamily="34" charset="0"/>
-              <a:cs typeface="Calibri" panose="020F0502020204030204" pitchFamily="34" charset="0"/>
-            </a:endParaRPr>
           </a:p>
         </p:txBody>
       </p:sp>
@@ -7427,7 +7467,7 @@
         </p:nvSpPr>
         <p:spPr>
           <a:xfrm>
-            <a:off x="628650" y="365126"/>
+            <a:off x="628650" y="687856"/>
             <a:ext cx="7886700" cy="507205"/>
           </a:xfrm>
         </p:spPr>
@@ -7464,7 +7504,7 @@
         </p:nvSpPr>
         <p:spPr>
           <a:xfrm>
-            <a:off x="457200" y="1143635"/>
+            <a:off x="457200" y="1690482"/>
             <a:ext cx="8229600" cy="4570729"/>
           </a:xfrm>
         </p:spPr>
@@ -7474,77 +7514,71 @@
           </a:bodyPr>
           <a:lstStyle/>
           <a:p>
-            <a:pPr>
+            <a:pPr algn="just">
+              <a:lnSpc>
+                <a:spcPct val="150000"/>
+              </a:lnSpc>
               <a:buSzPct val="150000"/>
             </a:pPr>
             <a:r>
-              <a:rPr lang="en-US" sz="2000" dirty="0">
-                <a:latin typeface="Calibri" panose="020F0502020204030204" pitchFamily="34" charset="0"/>
-                <a:cs typeface="Calibri" panose="020F0502020204030204" pitchFamily="34" charset="0"/>
+              <a:rPr lang="en-US" sz="1500" dirty="0">
+                <a:cs typeface="Times New Roman" panose="02020603050405020304" pitchFamily="18" charset="0"/>
               </a:rPr>
               <a:t>The automotive industry has witnessed a surge in the use of technology to improve efficiency and accuracy in various aspects of vehicle maintenance. </a:t>
             </a:r>
           </a:p>
           <a:p>
-            <a:pPr>
+            <a:pPr algn="just">
+              <a:lnSpc>
+                <a:spcPct val="150000"/>
+              </a:lnSpc>
               <a:buSzPct val="150000"/>
             </a:pPr>
             <a:r>
-              <a:rPr lang="en-US" sz="2000" dirty="0">
-                <a:latin typeface="Calibri" panose="020F0502020204030204" pitchFamily="34" charset="0"/>
-                <a:cs typeface="Calibri" panose="020F0502020204030204" pitchFamily="34" charset="0"/>
+              <a:rPr lang="en-US" sz="1500" dirty="0">
+                <a:cs typeface="Times New Roman" panose="02020603050405020304" pitchFamily="18" charset="0"/>
               </a:rPr>
               <a:t>The "Vehicle Health Analysis and Spare Parts E-Commerce" web application aims to simplify vehicle maintenance and repair for vehicle owners, insurance companies, and spare parts businesses. </a:t>
             </a:r>
           </a:p>
           <a:p>
-            <a:pPr>
+            <a:pPr algn="just">
+              <a:lnSpc>
+                <a:spcPct val="150000"/>
+              </a:lnSpc>
               <a:buSzPct val="150000"/>
             </a:pPr>
             <a:r>
-              <a:rPr lang="en-US" sz="2000" dirty="0">
-                <a:latin typeface="Calibri" panose="020F0502020204030204" pitchFamily="34" charset="0"/>
-                <a:cs typeface="Calibri" panose="020F0502020204030204" pitchFamily="34" charset="0"/>
+              <a:rPr lang="en-US" sz="1500" dirty="0">
+                <a:cs typeface="Times New Roman" panose="02020603050405020304" pitchFamily="18" charset="0"/>
               </a:rPr>
               <a:t>The application utilizes Python and </a:t>
             </a:r>
             <a:r>
-              <a:rPr lang="en-US" sz="2000" dirty="0" err="1">
-                <a:latin typeface="Calibri" panose="020F0502020204030204" pitchFamily="34" charset="0"/>
-                <a:cs typeface="Calibri" panose="020F0502020204030204" pitchFamily="34" charset="0"/>
+              <a:rPr lang="en-US" sz="1500" dirty="0" err="1">
+                <a:cs typeface="Times New Roman" panose="02020603050405020304" pitchFamily="18" charset="0"/>
               </a:rPr>
               <a:t>Streamlit</a:t>
             </a:r>
             <a:r>
-              <a:rPr lang="en-US" sz="2000" dirty="0">
-                <a:latin typeface="Calibri" panose="020F0502020204030204" pitchFamily="34" charset="0"/>
-                <a:cs typeface="Calibri" panose="020F0502020204030204" pitchFamily="34" charset="0"/>
+              <a:rPr lang="en-US" sz="1500" dirty="0">
+                <a:cs typeface="Times New Roman" panose="02020603050405020304" pitchFamily="18" charset="0"/>
               </a:rPr>
-              <a:t> for vehicle health analysis and PHP and MySQL for its spare parts E-commerce component. </a:t>
-            </a:r>
-          </a:p>
-          <a:p>
-            <a:pPr>
+              <a:t> for vehicle health analysis and PHP and MySQL for its spare parts E-commerce component. .</a:t>
+            </a:r>
+          </a:p>
+          <a:p>
+            <a:pPr algn="just">
+              <a:lnSpc>
+                <a:spcPct val="150000"/>
+              </a:lnSpc>
               <a:buSzPct val="150000"/>
             </a:pPr>
             <a:r>
-              <a:rPr lang="en-US" sz="2000" dirty="0">
-                <a:latin typeface="Calibri" panose="020F0502020204030204" pitchFamily="34" charset="0"/>
-                <a:cs typeface="Calibri" panose="020F0502020204030204" pitchFamily="34" charset="0"/>
+              <a:rPr lang="en-US" sz="1500" dirty="0">
+                <a:cs typeface="Times New Roman" panose="02020603050405020304" pitchFamily="18" charset="0"/>
               </a:rPr>
-              <a:t>It also uses advanced machine learning algorithms to predict the insurance amount for a vehicle based on a range of factors, such as manufacture, model, year, engine type, and accident history.</a:t>
-            </a:r>
-          </a:p>
-          <a:p>
-            <a:pPr>
-              <a:buSzPct val="150000"/>
-            </a:pPr>
-            <a:r>
-              <a:rPr lang="en-US" sz="2000" dirty="0">
-                <a:latin typeface="Calibri" panose="020F0502020204030204" pitchFamily="34" charset="0"/>
-                <a:cs typeface="Calibri" panose="020F0502020204030204" pitchFamily="34" charset="0"/>
-              </a:rPr>
-              <a:t>In addition, the spare parts E-commerce component enables users to purchase genuine spare parts for their vehicles directly from the manufacturer, thereby enhancing the reliability and longevity of the vehicles. </a:t>
+              <a:t>In addition, the spare parts E-commerce component enables users to purchase genuine spare parts for their vehicles directly from the manufacturer.</a:t>
             </a:r>
           </a:p>
         </p:txBody>
@@ -7629,7 +7663,7 @@
         </p:nvSpPr>
         <p:spPr>
           <a:xfrm>
-            <a:off x="457200" y="71439"/>
+            <a:off x="457200" y="510710"/>
             <a:ext cx="8229600" cy="638776"/>
           </a:xfrm>
           <a:prstGeom prst="rect">
@@ -7690,7 +7724,7 @@
         </p:nvSpPr>
         <p:spPr>
           <a:xfrm>
-            <a:off x="372862" y="745255"/>
+            <a:off x="372862" y="1507255"/>
             <a:ext cx="8398276" cy="5827817"/>
           </a:xfrm>
           <a:prstGeom prst="rect">
@@ -7707,7 +7741,10 @@
           </a:bodyPr>
           <a:lstStyle/>
           <a:p>
-            <a:pPr marL="488950" indent="-285750">
+            <a:pPr marL="488950" indent="-285750" algn="just">
+              <a:lnSpc>
+                <a:spcPct val="150000"/>
+              </a:lnSpc>
               <a:spcBef>
                 <a:spcPts val="640"/>
               </a:spcBef>
@@ -7720,15 +7757,17 @@
               <a:buSzPct val="150000"/>
             </a:pPr>
             <a:r>
-              <a:rPr lang="en-US" sz="1900" dirty="0">
-                <a:latin typeface="Calibri" panose="020F0502020204030204" pitchFamily="34" charset="0"/>
-                <a:cs typeface="Calibri" panose="020F0502020204030204" pitchFamily="34" charset="0"/>
+              <a:rPr lang="en-US" sz="1500" dirty="0">
+                <a:cs typeface="Times New Roman" panose="02020603050405020304" pitchFamily="18" charset="0"/>
               </a:rPr>
               <a:t>Vehicle maintenance and repair can be a complex and time-consuming task for vehicle owners. This is particularly true when it comes to estimating the insurance amount for a vehicle and finding the right spare parts. </a:t>
             </a:r>
           </a:p>
           <a:p>
-            <a:pPr marL="488950" indent="-285750">
+            <a:pPr marL="488950" indent="-285750" algn="just">
+              <a:lnSpc>
+                <a:spcPct val="150000"/>
+              </a:lnSpc>
               <a:spcBef>
                 <a:spcPts val="640"/>
               </a:spcBef>
@@ -7741,29 +7780,17 @@
               <a:buSzPct val="150000"/>
             </a:pPr>
             <a:r>
-              <a:rPr lang="en-US" sz="1900" dirty="0">
-                <a:latin typeface="Calibri" panose="020F0502020204030204" pitchFamily="34" charset="0"/>
-                <a:cs typeface="Calibri" panose="020F0502020204030204" pitchFamily="34" charset="0"/>
+              <a:rPr lang="en-US" sz="1500" dirty="0">
+                <a:cs typeface="Times New Roman" panose="02020603050405020304" pitchFamily="18" charset="0"/>
               </a:rPr>
-              <a:t>To address these challenges, a web application has been developed called the "Vehicle Health Analysis and Spare Parts E-Commerce". This innovative application leverages the power of python, </a:t>
-            </a:r>
-            <a:r>
-              <a:rPr lang="en-US" sz="1900" dirty="0" err="1">
-                <a:latin typeface="Calibri" panose="020F0502020204030204" pitchFamily="34" charset="0"/>
-                <a:cs typeface="Calibri" panose="020F0502020204030204" pitchFamily="34" charset="0"/>
-              </a:rPr>
-              <a:t>streamlit</a:t>
-            </a:r>
-            <a:r>
-              <a:rPr lang="en-US" sz="1900" dirty="0">
-                <a:latin typeface="Calibri" panose="020F0502020204030204" pitchFamily="34" charset="0"/>
-                <a:cs typeface="Calibri" panose="020F0502020204030204" pitchFamily="34" charset="0"/>
-              </a:rPr>
-              <a:t>, PHP and MySQL to provide a user-friendly platform for analyzing vehicle health and finding the right spare parts. </a:t>
-            </a:r>
-          </a:p>
-          <a:p>
-            <a:pPr marL="488950" indent="-285750">
+              <a:t>For this advanced machine learning algorithms is used to predict the insurance amount for a vehicle based on a range of factors, such as manufacture, model, year, engine type, and accident history. </a:t>
+            </a:r>
+          </a:p>
+          <a:p>
+            <a:pPr marL="488950" indent="-285750" algn="just">
+              <a:lnSpc>
+                <a:spcPct val="150000"/>
+              </a:lnSpc>
               <a:spcBef>
                 <a:spcPts val="640"/>
               </a:spcBef>
@@ -7776,15 +7803,17 @@
               <a:buSzPct val="150000"/>
             </a:pPr>
             <a:r>
-              <a:rPr lang="en-US" sz="1900" dirty="0">
-                <a:latin typeface="Calibri" panose="020F0502020204030204" pitchFamily="34" charset="0"/>
-                <a:cs typeface="Calibri" panose="020F0502020204030204" pitchFamily="34" charset="0"/>
+              <a:rPr lang="en-US" sz="1500" dirty="0">
+                <a:cs typeface="Times New Roman" panose="02020603050405020304" pitchFamily="18" charset="0"/>
               </a:rPr>
-              <a:t>It uses advanced machine learning algorithms to predict the insurance amount for a vehicle based on a range of factors, such as manufacture, model, year, engine type, and accident history. </a:t>
-            </a:r>
-          </a:p>
-          <a:p>
-            <a:pPr marL="488950" indent="-285750">
+              <a:t>In addition, the website provides relevant spare parts recommendations based. This makes it easier for vehicle owners to make informed decisions about their vehicle's maintenance and repair. </a:t>
+            </a:r>
+          </a:p>
+          <a:p>
+            <a:pPr marL="488950" indent="-285750" algn="just">
+              <a:lnSpc>
+                <a:spcPct val="150000"/>
+              </a:lnSpc>
               <a:spcBef>
                 <a:spcPts val="640"/>
               </a:spcBef>
@@ -7797,51 +7826,8 @@
               <a:buSzPct val="150000"/>
             </a:pPr>
             <a:r>
-              <a:rPr lang="en-US" sz="1900" dirty="0">
-                <a:latin typeface="Calibri" panose="020F0502020204030204" pitchFamily="34" charset="0"/>
-                <a:cs typeface="Calibri" panose="020F0502020204030204" pitchFamily="34" charset="0"/>
-              </a:rPr>
-              <a:t>In addition, the website provides relevant spare parts recommendations based on the analysis of the vehicle's health. This makes it easier for vehicle owners to make informed decisions about their vehicle's maintenance and repair. </a:t>
-            </a:r>
-          </a:p>
-          <a:p>
-            <a:pPr marL="488950" indent="-285750">
-              <a:spcBef>
-                <a:spcPts val="640"/>
-              </a:spcBef>
-              <a:spcAft>
-                <a:spcPts val="0"/>
-              </a:spcAft>
-              <a:buClr>
-                <a:schemeClr val="dk1"/>
-              </a:buClr>
-              <a:buSzPct val="150000"/>
-            </a:pPr>
-            <a:r>
-              <a:rPr lang="en-US" sz="1900" dirty="0">
-                <a:latin typeface="Calibri" panose="020F0502020204030204" pitchFamily="34" charset="0"/>
-                <a:cs typeface="Calibri" panose="020F0502020204030204" pitchFamily="34" charset="0"/>
-              </a:rPr>
-              <a:t>For insurance companies, it provides a more accurate and efficient way to estimate insurance amounts, reducing the risk of under or over-insuring vehicles. </a:t>
-            </a:r>
-          </a:p>
-          <a:p>
-            <a:pPr marL="488950" indent="-285750">
-              <a:spcBef>
-                <a:spcPts val="640"/>
-              </a:spcBef>
-              <a:spcAft>
-                <a:spcPts val="0"/>
-              </a:spcAft>
-              <a:buClr>
-                <a:schemeClr val="dk1"/>
-              </a:buClr>
-              <a:buSzPct val="150000"/>
-            </a:pPr>
-            <a:r>
-              <a:rPr lang="en-US" sz="1900" dirty="0">
-                <a:latin typeface="Calibri" panose="020F0502020204030204" pitchFamily="34" charset="0"/>
-                <a:cs typeface="Calibri" panose="020F0502020204030204" pitchFamily="34" charset="0"/>
+              <a:rPr lang="en-US" sz="1500" dirty="0">
+                <a:cs typeface="Times New Roman" panose="02020603050405020304" pitchFamily="18" charset="0"/>
               </a:rPr>
               <a:t>For spare parts businesses, it provides a new channel for reaching customers and promoting their products, increasing sales and customer loyalty. </a:t>
             </a:r>
@@ -7923,7 +7909,7 @@
         </p:nvSpPr>
         <p:spPr>
           <a:xfrm>
-            <a:off x="469264" y="161051"/>
+            <a:off x="469263" y="600322"/>
             <a:ext cx="8205470" cy="584775"/>
           </a:xfrm>
           <a:prstGeom prst="rect">
@@ -7964,8 +7950,8 @@
         </p:nvSpPr>
         <p:spPr>
           <a:xfrm>
-            <a:off x="154458" y="935317"/>
-            <a:ext cx="8835081" cy="5256119"/>
+            <a:off x="154458" y="1679387"/>
+            <a:ext cx="8835081" cy="3794180"/>
           </a:xfrm>
           <a:prstGeom prst="rect">
             <a:avLst/>
@@ -7979,85 +7965,86 @@
           <a:lstStyle/>
           <a:p>
             <a:pPr marL="285750" indent="-285750" algn="l">
+              <a:lnSpc>
+                <a:spcPct val="150000"/>
+              </a:lnSpc>
               <a:buSzPct val="150000"/>
               <a:buFont typeface="Arial" panose="020B0604020202020204" pitchFamily="34" charset="0"/>
               <a:buChar char="•"/>
             </a:pPr>
             <a:r>
-              <a:rPr lang="en-US" sz="2000" b="0" i="0" dirty="0">
+              <a:rPr lang="en-US" sz="1500" b="0" i="0" dirty="0">
                 <a:solidFill>
                   <a:schemeClr val="tx1"/>
                 </a:solidFill>
                 <a:effectLst/>
-                <a:latin typeface="Söhne"/>
+                <a:cs typeface="Times New Roman" panose="02020603050405020304" pitchFamily="18" charset="0"/>
               </a:rPr>
               <a:t>The "VEHICLE HEALTH ANALYSIS AND SPARE PARTS E-COMMERCE" website is motivated by the need to provide an all-in-one solution for vehicle owners, to help them maintain get best insurance coverage for their vehicles and purchase genuine spare parts. </a:t>
             </a:r>
           </a:p>
           <a:p>
             <a:pPr marL="285750" indent="-285750" algn="l">
+              <a:lnSpc>
+                <a:spcPct val="150000"/>
+              </a:lnSpc>
               <a:buSzPct val="150000"/>
               <a:buFont typeface="Arial" panose="020B0604020202020204" pitchFamily="34" charset="0"/>
               <a:buChar char="•"/>
             </a:pPr>
             <a:r>
-              <a:rPr lang="en-US" sz="2000" b="0" i="0" dirty="0">
+              <a:rPr lang="en-US" sz="1500" b="0" i="0" dirty="0">
                 <a:solidFill>
                   <a:schemeClr val="tx1"/>
                 </a:solidFill>
                 <a:effectLst/>
-                <a:latin typeface="Söhne"/>
+                <a:cs typeface="Times New Roman" panose="02020603050405020304" pitchFamily="18" charset="0"/>
               </a:rPr>
-              <a:t>Owning and maintaining a vehicle can be a significant financial and time investment, and it can be challenging to keep track of the maintenance and repair needs of the vehicle. </a:t>
+              <a:t>In many cases, vehicle owners may only become aware of a problem after it has become a more significant and costly issue for which they are not paid their full insurance amount. </a:t>
             </a:r>
           </a:p>
           <a:p>
             <a:pPr marL="285750" indent="-285750" algn="l">
+              <a:lnSpc>
+                <a:spcPct val="150000"/>
+              </a:lnSpc>
               <a:buSzPct val="150000"/>
               <a:buFont typeface="Arial" panose="020B0604020202020204" pitchFamily="34" charset="0"/>
               <a:buChar char="•"/>
             </a:pPr>
             <a:r>
-              <a:rPr lang="en-US" sz="2000" b="0" i="0" dirty="0">
+              <a:rPr lang="en-US" sz="1500" dirty="0">
+                <a:cs typeface="Times New Roman" panose="02020603050405020304" pitchFamily="18" charset="0"/>
+              </a:rPr>
+              <a:t>By data analysis</a:t>
+            </a:r>
+            <a:r>
+              <a:rPr lang="en-US" sz="1500" b="0" i="0" dirty="0">
                 <a:solidFill>
                   <a:schemeClr val="tx1"/>
                 </a:solidFill>
                 <a:effectLst/>
-                <a:latin typeface="Söhne"/>
+                <a:cs typeface="Times New Roman" panose="02020603050405020304" pitchFamily="18" charset="0"/>
               </a:rPr>
-              <a:t>In many cases, vehicle owners may only become aware of a problem after it has become a more significant and costly issue for which they are not paid their full insurance amount. </a:t>
+              <a:t>, the website can help vehicle owners to get their maximum insurance amount as possible and to prevent costly repairs and breakdowns.</a:t>
             </a:r>
           </a:p>
           <a:p>
             <a:pPr marL="285750" indent="-285750" algn="l">
+              <a:lnSpc>
+                <a:spcPct val="150000"/>
+              </a:lnSpc>
               <a:buSzPct val="150000"/>
               <a:buFont typeface="Arial" panose="020B0604020202020204" pitchFamily="34" charset="0"/>
               <a:buChar char="•"/>
             </a:pPr>
             <a:r>
-              <a:rPr lang="en-US" sz="2000" b="0" i="0" dirty="0">
+              <a:rPr lang="en-US" sz="1500" b="0" i="0" dirty="0">
                 <a:solidFill>
                   <a:schemeClr val="tx1"/>
                 </a:solidFill>
                 <a:effectLst/>
-                <a:latin typeface="Söhne"/>
-              </a:rPr>
-              <a:t>By providing accurate vehicle health analysis, the website can help vehicle owners to get their maximum insurance amount as possible and to prevent costly repairs and breakdowns.</a:t>
-            </a:r>
-          </a:p>
-          <a:p>
-            <a:pPr marL="285750" indent="-285750" algn="l">
-              <a:buSzPct val="150000"/>
-              <a:buFont typeface="Arial" panose="020B0604020202020204" pitchFamily="34" charset="0"/>
-              <a:buChar char="•"/>
-            </a:pPr>
-            <a:r>
-              <a:rPr lang="en-US" sz="2000" b="0" i="0" dirty="0">
-                <a:solidFill>
-                  <a:schemeClr val="tx1"/>
-                </a:solidFill>
-                <a:effectLst/>
-                <a:latin typeface="Söhne"/>
+                <a:cs typeface="Times New Roman" panose="02020603050405020304" pitchFamily="18" charset="0"/>
               </a:rPr>
               <a:t>By providing a secure and convenient platform for the purchase of genuine spare parts, the website can save vehicle owners time and effort, and give them peace of mind that they are using quality parts to maintain their vehicle.</a:t>
             </a:r>
@@ -9059,7 +9046,7 @@
         </p:nvSpPr>
         <p:spPr>
           <a:xfrm>
-            <a:off x="59924" y="111126"/>
+            <a:off x="59924" y="505573"/>
             <a:ext cx="9024152" cy="730250"/>
           </a:xfrm>
         </p:spPr>
@@ -9094,7 +9081,7 @@
         </p:nvSpPr>
         <p:spPr>
           <a:xfrm>
-            <a:off x="221942" y="967374"/>
+            <a:off x="221942" y="1810057"/>
             <a:ext cx="8700116" cy="5149341"/>
           </a:xfrm>
         </p:spPr>
@@ -9105,112 +9092,91 @@
           <a:lstStyle/>
           <a:p>
             <a:pPr>
+              <a:lnSpc>
+                <a:spcPct val="150000"/>
+              </a:lnSpc>
               <a:buSzPct val="150000"/>
               <a:buFont typeface="Arial" panose="020B0604020202020204" pitchFamily="34" charset="0"/>
               <a:buChar char="•"/>
             </a:pPr>
             <a:r>
-              <a:rPr lang="en-US" sz="2000" u="sng" dirty="0">
-                <a:latin typeface="Calibri" panose="020F0502020204030204" pitchFamily="34" charset="0"/>
-                <a:cs typeface="Calibri" panose="020F0502020204030204" pitchFamily="34" charset="0"/>
+              <a:rPr lang="en-US" sz="1500" u="sng" dirty="0">
+                <a:cs typeface="Times New Roman" panose="02020603050405020304" pitchFamily="18" charset="0"/>
               </a:rPr>
               <a:t>Limited Data Availability: </a:t>
             </a:r>
             <a:r>
-              <a:rPr lang="en-US" sz="2000" dirty="0">
-                <a:latin typeface="Calibri" panose="020F0502020204030204" pitchFamily="34" charset="0"/>
-                <a:cs typeface="Calibri" panose="020F0502020204030204" pitchFamily="34" charset="0"/>
+              <a:rPr lang="en-US" sz="1500" dirty="0">
+                <a:cs typeface="Times New Roman" panose="02020603050405020304" pitchFamily="18" charset="0"/>
               </a:rPr>
-              <a:t>The accuracy of the vehicle health analysis and insurance prediction relies on the data that is available. If the is limited data or is inaccurate, then the analysis and predictions may be less reliable.</a:t>
+              <a:t>The accuracy of the vehicle health analysis and insurance prediction relies on the data that is available. If the is no data, then the analysis and predictions is impossible.</a:t>
             </a:r>
           </a:p>
           <a:p>
             <a:pPr>
+              <a:lnSpc>
+                <a:spcPct val="150000"/>
+              </a:lnSpc>
               <a:buSzPct val="150000"/>
               <a:buFont typeface="Arial" panose="020B0604020202020204" pitchFamily="34" charset="0"/>
               <a:buChar char="•"/>
             </a:pPr>
             <a:r>
-              <a:rPr lang="en-US" sz="2000" u="sng" dirty="0">
-                <a:latin typeface="Calibri" panose="020F0502020204030204" pitchFamily="34" charset="0"/>
-                <a:cs typeface="Calibri" panose="020F0502020204030204" pitchFamily="34" charset="0"/>
+              <a:rPr lang="en-US" sz="1500" u="sng" dirty="0">
+                <a:cs typeface="Times New Roman" panose="02020603050405020304" pitchFamily="18" charset="0"/>
               </a:rPr>
               <a:t>Reliance on Sensors: </a:t>
             </a:r>
             <a:r>
-              <a:rPr lang="en-US" sz="2000" dirty="0">
-                <a:latin typeface="Calibri" panose="020F0502020204030204" pitchFamily="34" charset="0"/>
-                <a:cs typeface="Calibri" panose="020F0502020204030204" pitchFamily="34" charset="0"/>
+              <a:rPr lang="en-US" sz="1500" dirty="0">
+                <a:cs typeface="Times New Roman" panose="02020603050405020304" pitchFamily="18" charset="0"/>
               </a:rPr>
-              <a:t>The vehicle health analysis component relies on sensors in the vehicle to collect data. If the sensors are not functioning properly or are inaccurate, the analysis may be affected.</a:t>
+              <a:t>The vehicle health analysis component relies on sensors in the vehicle to collect data</a:t>
             </a:r>
           </a:p>
           <a:p>
             <a:pPr>
+              <a:lnSpc>
+                <a:spcPct val="150000"/>
+              </a:lnSpc>
               <a:buSzPct val="150000"/>
               <a:buFont typeface="Arial" panose="020B0604020202020204" pitchFamily="34" charset="0"/>
               <a:buChar char="•"/>
             </a:pPr>
             <a:r>
-              <a:rPr lang="en-US" sz="2000" u="sng" dirty="0">
-                <a:latin typeface="Calibri" panose="020F0502020204030204" pitchFamily="34" charset="0"/>
-                <a:cs typeface="Calibri" panose="020F0502020204030204" pitchFamily="34" charset="0"/>
+              <a:rPr lang="en-US" sz="1500" u="sng" dirty="0">
+                <a:cs typeface="Times New Roman" panose="02020603050405020304" pitchFamily="18" charset="0"/>
               </a:rPr>
               <a:t>Limited Scope: </a:t>
             </a:r>
             <a:r>
-              <a:rPr lang="en-US" sz="2000" dirty="0">
-                <a:latin typeface="Calibri" panose="020F0502020204030204" pitchFamily="34" charset="0"/>
-                <a:cs typeface="Calibri" panose="020F0502020204030204" pitchFamily="34" charset="0"/>
+              <a:rPr lang="en-US" sz="1500" dirty="0">
+                <a:cs typeface="Times New Roman" panose="02020603050405020304" pitchFamily="18" charset="0"/>
               </a:rPr>
               <a:t>The website's analysis and recommendations are limited to the information provided by the sensors and the algorithms used. There may be other factors that are not considered that could impact the health of the vehicle.</a:t>
             </a:r>
           </a:p>
           <a:p>
             <a:pPr>
+              <a:lnSpc>
+                <a:spcPct val="150000"/>
+              </a:lnSpc>
               <a:buSzPct val="150000"/>
               <a:buFont typeface="Arial" panose="020B0604020202020204" pitchFamily="34" charset="0"/>
               <a:buChar char="•"/>
             </a:pPr>
             <a:r>
-              <a:rPr lang="en-US" sz="2000" u="sng" dirty="0">
-                <a:latin typeface="Calibri" panose="020F0502020204030204" pitchFamily="34" charset="0"/>
-                <a:cs typeface="Calibri" panose="020F0502020204030204" pitchFamily="34" charset="0"/>
+              <a:rPr lang="en-US" sz="1500" u="sng" dirty="0">
+                <a:cs typeface="Times New Roman" panose="02020603050405020304" pitchFamily="18" charset="0"/>
               </a:rPr>
               <a:t>Halt of Spare Parts Production: </a:t>
             </a:r>
             <a:r>
-              <a:rPr lang="en-US" sz="2000" dirty="0">
-                <a:latin typeface="Calibri" panose="020F0502020204030204" pitchFamily="34" charset="0"/>
-                <a:cs typeface="Calibri" panose="020F0502020204030204" pitchFamily="34" charset="0"/>
+              <a:rPr lang="en-US" sz="1500" dirty="0">
+                <a:cs typeface="Times New Roman" panose="02020603050405020304" pitchFamily="18" charset="0"/>
               </a:rPr>
-              <a:t>If the vehicle is of very old model or doesn't have that many sales, the manufacturer may completely halt the manufacturing of that particular vehicle model's spare parts. Thus, the customer won't be able to get the necessary part to repair his/her vehicle.</a:t>
-            </a:r>
-          </a:p>
-          <a:p>
-            <a:pPr>
-              <a:buSzPct val="150000"/>
-              <a:buFont typeface="Arial" panose="020B0604020202020204" pitchFamily="34" charset="0"/>
-              <a:buChar char="•"/>
-            </a:pPr>
-            <a:r>
-              <a:rPr lang="en-US" sz="2000" u="sng" dirty="0">
-                <a:latin typeface="Calibri" panose="020F0502020204030204" pitchFamily="34" charset="0"/>
-                <a:cs typeface="Calibri" panose="020F0502020204030204" pitchFamily="34" charset="0"/>
-              </a:rPr>
-              <a:t>Security Risks: </a:t>
-            </a:r>
-            <a:r>
-              <a:rPr lang="en-US" sz="2000" dirty="0">
-                <a:latin typeface="Calibri" panose="020F0502020204030204" pitchFamily="34" charset="0"/>
-                <a:cs typeface="Calibri" panose="020F0502020204030204" pitchFamily="34" charset="0"/>
-              </a:rPr>
-              <a:t>The E-commerce component of the website involves the handling of sensitive financial information. If the website's security is compromised, this could result in financial loss for users. </a:t>
-            </a:r>
-            <a:endParaRPr lang="en-IN" sz="2000" dirty="0">
-              <a:latin typeface="Calibri" panose="020F0502020204030204" pitchFamily="34" charset="0"/>
-              <a:cs typeface="Calibri" panose="020F0502020204030204" pitchFamily="34" charset="0"/>
-            </a:endParaRPr>
+              <a:t>If the vehicle is of very old model or doesn't have that many sales, the manufacturer may completely halt the manufacturing of that particular vehicle model's spare parts. </a:t>
+            </a:r>
           </a:p>
         </p:txBody>
       </p:sp>
@@ -9322,7 +9288,7 @@
         </p:nvSpPr>
         <p:spPr>
           <a:xfrm>
-            <a:off x="432116" y="190364"/>
+            <a:off x="432116" y="665493"/>
             <a:ext cx="8279765" cy="584775"/>
           </a:xfrm>
           <a:prstGeom prst="rect">
@@ -9357,8 +9323,8 @@
         </p:nvSpPr>
         <p:spPr>
           <a:xfrm>
-            <a:off x="432115" y="1244361"/>
-            <a:ext cx="8279765" cy="4031873"/>
+            <a:off x="432116" y="1593985"/>
+            <a:ext cx="8279765" cy="3108543"/>
           </a:xfrm>
           <a:prstGeom prst="rect">
             <a:avLst/>
@@ -9372,107 +9338,96 @@
           <a:lstStyle/>
           <a:p>
             <a:pPr marL="285750" indent="-285750" algn="l">
+              <a:lnSpc>
+                <a:spcPct val="150000"/>
+              </a:lnSpc>
               <a:buSzPct val="150000"/>
               <a:buFont typeface="Arial" panose="020B0604020202020204" pitchFamily="34" charset="0"/>
               <a:buChar char="•"/>
             </a:pPr>
             <a:r>
-              <a:rPr lang="en-US" sz="2000" u="sng" dirty="0">
-                <a:latin typeface="Calibri" panose="020F0502020204030204" pitchFamily="34" charset="0"/>
-                <a:cs typeface="Calibri" panose="020F0502020204030204" pitchFamily="34" charset="0"/>
+              <a:rPr lang="en-US" sz="1500" u="sng" dirty="0">
+                <a:cs typeface="Times New Roman" panose="02020603050405020304" pitchFamily="18" charset="0"/>
               </a:rPr>
               <a:t>Insurance Prediction:</a:t>
             </a:r>
             <a:r>
-              <a:rPr lang="en-US" sz="2000" dirty="0">
-                <a:latin typeface="Calibri" panose="020F0502020204030204" pitchFamily="34" charset="0"/>
-                <a:cs typeface="Calibri" panose="020F0502020204030204" pitchFamily="34" charset="0"/>
+              <a:rPr lang="en-US" sz="1500" dirty="0">
+                <a:cs typeface="Times New Roman" panose="02020603050405020304" pitchFamily="18" charset="0"/>
               </a:rPr>
               <a:t> The website uses machine learning algorithms to predict the insurance amount, and to prevent costly repairs and breakdowns.</a:t>
             </a:r>
           </a:p>
           <a:p>
             <a:pPr marL="285750" indent="-285750" algn="l">
+              <a:lnSpc>
+                <a:spcPct val="150000"/>
+              </a:lnSpc>
               <a:buSzPct val="150000"/>
               <a:buFont typeface="Arial" panose="020B0604020202020204" pitchFamily="34" charset="0"/>
               <a:buChar char="•"/>
             </a:pPr>
             <a:r>
-              <a:rPr lang="en-US" sz="2000" u="sng" dirty="0">
-                <a:latin typeface="Calibri" panose="020F0502020204030204" pitchFamily="34" charset="0"/>
-                <a:cs typeface="Calibri" panose="020F0502020204030204" pitchFamily="34" charset="0"/>
+              <a:rPr lang="en-US" sz="1500" u="sng" dirty="0">
+                <a:cs typeface="Times New Roman" panose="02020603050405020304" pitchFamily="18" charset="0"/>
               </a:rPr>
               <a:t>Spare Parts E-commerce:</a:t>
             </a:r>
             <a:r>
-              <a:rPr lang="en-US" sz="2000" dirty="0">
-                <a:latin typeface="Calibri" panose="020F0502020204030204" pitchFamily="34" charset="0"/>
-                <a:cs typeface="Calibri" panose="020F0502020204030204" pitchFamily="34" charset="0"/>
+              <a:rPr lang="en-US" sz="1500" dirty="0">
+                <a:cs typeface="Times New Roman" panose="02020603050405020304" pitchFamily="18" charset="0"/>
               </a:rPr>
               <a:t> The website provides a secure and convenient platform for the purchase of genuine spare parts.</a:t>
             </a:r>
           </a:p>
           <a:p>
             <a:pPr marL="285750" indent="-285750" algn="l">
+              <a:lnSpc>
+                <a:spcPct val="150000"/>
+              </a:lnSpc>
               <a:buSzPct val="150000"/>
               <a:buFont typeface="Arial" panose="020B0604020202020204" pitchFamily="34" charset="0"/>
               <a:buChar char="•"/>
             </a:pPr>
             <a:r>
-              <a:rPr lang="en-US" sz="2000" u="sng" dirty="0">
-                <a:latin typeface="Calibri" panose="020F0502020204030204" pitchFamily="34" charset="0"/>
-                <a:cs typeface="Calibri" panose="020F0502020204030204" pitchFamily="34" charset="0"/>
+              <a:rPr lang="en-US" sz="1500" u="sng" dirty="0">
+                <a:cs typeface="Times New Roman" panose="02020603050405020304" pitchFamily="18" charset="0"/>
               </a:rPr>
-              <a:t>User-Friendly Interface:</a:t>
-            </a:r>
-            <a:r>
-              <a:rPr lang="en-US" sz="2000" dirty="0">
-                <a:latin typeface="Calibri" panose="020F0502020204030204" pitchFamily="34" charset="0"/>
-                <a:cs typeface="Calibri" panose="020F0502020204030204" pitchFamily="34" charset="0"/>
+              <a:t>Performance and Reliability:</a:t>
+            </a:r>
+            <a:r>
+              <a:rPr lang="en-US" sz="1500" dirty="0">
+                <a:cs typeface="Times New Roman" panose="02020603050405020304" pitchFamily="18" charset="0"/>
               </a:rPr>
-              <a:t> The website aims to provide a user-friendly interface, which is easy to navigate and use.</a:t>
+              <a:t> The website aims to provide high performance and reliability, ensuring that users can access and use the website without any downtime or technical issues.</a:t>
             </a:r>
           </a:p>
           <a:p>
             <a:pPr marL="285750" indent="-285750" algn="l">
+              <a:lnSpc>
+                <a:spcPct val="150000"/>
+              </a:lnSpc>
               <a:buSzPct val="150000"/>
               <a:buFont typeface="Arial" panose="020B0604020202020204" pitchFamily="34" charset="0"/>
               <a:buChar char="•"/>
             </a:pPr>
             <a:r>
-              <a:rPr lang="en-US" sz="2000" u="sng" dirty="0">
-                <a:latin typeface="Calibri" panose="020F0502020204030204" pitchFamily="34" charset="0"/>
+              <a:rPr lang="en-US" sz="1500" u="sng" dirty="0">
+                <a:cs typeface="Times New Roman" panose="02020603050405020304" pitchFamily="18" charset="0"/>
+              </a:rPr>
+              <a:t>Security:</a:t>
+            </a:r>
+            <a:r>
+              <a:rPr lang="en-US" sz="1500" dirty="0">
+                <a:cs typeface="Times New Roman" panose="02020603050405020304" pitchFamily="18" charset="0"/>
+              </a:rPr>
+              <a:t> The website aims to provide a secure platform for transactions and user data, protecting users from any potential security risks</a:t>
+            </a:r>
+            <a:r>
+              <a:rPr lang="en-US" sz="1500" dirty="0">
                 <a:cs typeface="Calibri" panose="020F0502020204030204" pitchFamily="34" charset="0"/>
               </a:rPr>
-              <a:t>Performance and Reliability:</a:t>
-            </a:r>
-            <a:r>
-              <a:rPr lang="en-US" sz="2000" dirty="0">
-                <a:latin typeface="Calibri" panose="020F0502020204030204" pitchFamily="34" charset="0"/>
-                <a:cs typeface="Calibri" panose="020F0502020204030204" pitchFamily="34" charset="0"/>
-              </a:rPr>
-              <a:t> The website aims to provide high performance and reliability, ensuring that users can access and use the website without any downtime or technical issues.</a:t>
-            </a:r>
-          </a:p>
-          <a:p>
-            <a:pPr marL="285750" indent="-285750" algn="l">
-              <a:buSzPct val="150000"/>
-              <a:buFont typeface="Arial" panose="020B0604020202020204" pitchFamily="34" charset="0"/>
-              <a:buChar char="•"/>
-            </a:pPr>
-            <a:r>
-              <a:rPr lang="en-US" sz="2000" u="sng" dirty="0">
-                <a:latin typeface="Calibri" panose="020F0502020204030204" pitchFamily="34" charset="0"/>
-                <a:cs typeface="Calibri" panose="020F0502020204030204" pitchFamily="34" charset="0"/>
-              </a:rPr>
-              <a:t>Security:</a:t>
-            </a:r>
-            <a:r>
-              <a:rPr lang="en-US" sz="2000" dirty="0">
-                <a:latin typeface="Calibri" panose="020F0502020204030204" pitchFamily="34" charset="0"/>
-                <a:cs typeface="Calibri" panose="020F0502020204030204" pitchFamily="34" charset="0"/>
-              </a:rPr>
-              <a:t> The website aims to provide a secure platform for transactions and user data, protecting users from any potential security risks.</a:t>
+              <a:t>.</a:t>
             </a:r>
           </a:p>
           <a:p>
